--- a/documents/posters/Varshneya_Samdarshi_LMU-Symposium_2016_poster.pptx
+++ b/documents/posters/Varshneya_Samdarshi_LMU-Symposium_2016_poster.pptx
@@ -1266,8 +1266,8 @@
     <dgm:cxn modelId="{72EA5319-3493-3544-83BA-4CDFF8FE447C}" type="presOf" srcId="{6AB06297-1EC9-CD4B-A812-2C58362D4075}" destId="{940675C5-915B-4947-AE5C-AD6BA8D06D75}" srcOrd="0" destOrd="0" presId="urn:microsoft.com/office/officeart/2005/8/layout/cycle5"/>
     <dgm:cxn modelId="{0D758575-1567-D84D-86EF-99A15BD041F6}" type="presOf" srcId="{1B4863FB-D47D-1E4C-8024-230FBE4CE702}" destId="{95B6769F-DB05-B44E-95A1-76B1FEC04DB3}" srcOrd="0" destOrd="0" presId="urn:microsoft.com/office/officeart/2005/8/layout/cycle5"/>
     <dgm:cxn modelId="{6AA5B0AC-1B1C-1342-AA3A-9F3CEA723383}" srcId="{1B4863FB-D47D-1E4C-8024-230FBE4CE702}" destId="{62403A56-1F41-1D49-8BD4-0241DF5460E5}" srcOrd="2" destOrd="0" parTransId="{AFF8EEF3-B557-B849-955E-E0F0DCFBDE6E}" sibTransId="{F6D8773C-175E-4C44-AEB4-42188B651BCF}"/>
+    <dgm:cxn modelId="{0E42510B-C943-FE45-BDA2-739318B98E63}" type="presOf" srcId="{5423F03B-3789-0B4D-AAFF-6AFF97D6FC82}" destId="{A46E98D2-4259-3C46-9086-4370C45DC96C}" srcOrd="0" destOrd="0" presId="urn:microsoft.com/office/officeart/2005/8/layout/cycle5"/>
     <dgm:cxn modelId="{982C75D6-C2CE-994D-9B1D-7F51FABEA22E}" srcId="{1B4863FB-D47D-1E4C-8024-230FBE4CE702}" destId="{5423F03B-3789-0B4D-AAFF-6AFF97D6FC82}" srcOrd="1" destOrd="0" parTransId="{80DBCBCD-4C68-5742-9DD9-76919B38C73A}" sibTransId="{6AB06297-1EC9-CD4B-A812-2C58362D4075}"/>
-    <dgm:cxn modelId="{0E42510B-C943-FE45-BDA2-739318B98E63}" type="presOf" srcId="{5423F03B-3789-0B4D-AAFF-6AFF97D6FC82}" destId="{A46E98D2-4259-3C46-9086-4370C45DC96C}" srcOrd="0" destOrd="0" presId="urn:microsoft.com/office/officeart/2005/8/layout/cycle5"/>
     <dgm:cxn modelId="{4C1A9226-395F-7F47-B601-2B5194DB63EF}" type="presParOf" srcId="{95B6769F-DB05-B44E-95A1-76B1FEC04DB3}" destId="{8D1B304E-4CA5-9543-B6C2-F932B1F4F71C}" srcOrd="0" destOrd="0" presId="urn:microsoft.com/office/officeart/2005/8/layout/cycle5"/>
     <dgm:cxn modelId="{6DCB8202-6E0A-A449-AE03-7DF9BC5DE6E0}" type="presParOf" srcId="{95B6769F-DB05-B44E-95A1-76B1FEC04DB3}" destId="{CED3EDD5-928E-224E-9C4F-B7CAE95EBA38}" srcOrd="1" destOrd="0" presId="urn:microsoft.com/office/officeart/2005/8/layout/cycle5"/>
     <dgm:cxn modelId="{694DBB13-DBC7-7F40-89BF-6F7A4132431F}" type="presParOf" srcId="{95B6769F-DB05-B44E-95A1-76B1FEC04DB3}" destId="{D7AC7C14-3750-3542-A71F-B5DBE4767B8A}" srcOrd="2" destOrd="0" presId="urn:microsoft.com/office/officeart/2005/8/layout/cycle5"/>
@@ -13824,10 +13824,10 @@
                 <a:sym typeface="Arial"/>
                 <a:rtl val="0"/>
               </a:rPr>
-              <a:t> Varshneya*, </a:t>
-            </a:r>
-            <a:r>
-              <a:rPr lang="en-US" sz="4000" b="0" i="0" u="none" strike="noStrike" cap="none" baseline="0" smtClean="0">
+              <a:t> Varshneya*, Nicole A. Anguiano**, </a:t>
+            </a:r>
+            <a:r>
+              <a:rPr lang="en-US" sz="4000" b="0" i="0" u="none" strike="noStrike" cap="none" baseline="0" dirty="0" err="1" smtClean="0">
                 <a:solidFill>
                   <a:schemeClr val="dk1"/>
                 </a:solidFill>
@@ -13837,10 +13837,10 @@
                 <a:sym typeface="Arial"/>
                 <a:rtl val="0"/>
               </a:rPr>
-              <a:t>Nicole </a:t>
-            </a:r>
-            <a:r>
-              <a:rPr lang="en-US" sz="4000" b="0" i="0" u="none" strike="noStrike" cap="none" baseline="0" smtClean="0">
+              <a:t>Mihir</a:t>
+            </a:r>
+            <a:r>
+              <a:rPr lang="en-US" sz="4000" b="0" i="0" u="none" strike="noStrike" cap="none" baseline="0" dirty="0" smtClean="0">
                 <a:solidFill>
                   <a:schemeClr val="dk1"/>
                 </a:solidFill>
@@ -13850,10 +13850,10 @@
                 <a:sym typeface="Arial"/>
                 <a:rtl val="0"/>
               </a:rPr>
-              <a:t>A. Anguiano</a:t>
-            </a:r>
-            <a:r>
-              <a:rPr lang="en-US" sz="4000" b="0" i="0" u="none" strike="noStrike" cap="none" baseline="0" smtClean="0">
+              <a:t> </a:t>
+            </a:r>
+            <a:r>
+              <a:rPr lang="en-US" sz="4000" b="0" i="0" u="none" strike="noStrike" cap="none" baseline="0" dirty="0" err="1" smtClean="0">
                 <a:solidFill>
                   <a:schemeClr val="dk1"/>
                 </a:solidFill>
@@ -13863,10 +13863,26 @@
                 <a:sym typeface="Arial"/>
                 <a:rtl val="0"/>
               </a:rPr>
-              <a:t>**, Mihir</a:t>
-            </a:r>
-            <a:r>
-              <a:rPr lang="en-US" sz="4000" b="0" i="0" u="none" strike="noStrike" cap="none" baseline="0" dirty="0" smtClean="0">
+              <a:t>Samdarsh</a:t>
+            </a:r>
+            <a:r>
+              <a:rPr lang="en-US" sz="4000" dirty="0" err="1" smtClean="0">
+                <a:solidFill>
+                  <a:schemeClr val="dk1"/>
+                </a:solidFill>
+              </a:rPr>
+              <a:t>i</a:t>
+            </a:r>
+            <a:r>
+              <a:rPr lang="en-US" sz="4000" smtClean="0">
+                <a:solidFill>
+                  <a:schemeClr val="dk1"/>
+                </a:solidFill>
+              </a:rPr>
+              <a:t>*</a:t>
+            </a:r>
+            <a:r>
+              <a:rPr lang="en-US" sz="4000" b="0" i="0" u="none" strike="noStrike" cap="none" baseline="0" smtClean="0">
                 <a:solidFill>
                   <a:schemeClr val="dk1"/>
                 </a:solidFill>
@@ -13876,10 +13892,10 @@
                 <a:sym typeface="Arial"/>
                 <a:rtl val="0"/>
               </a:rPr>
-              <a:t> </a:t>
-            </a:r>
-            <a:r>
-              <a:rPr lang="en-US" sz="4000" b="0" i="0" u="none" strike="noStrike" cap="none" baseline="0" dirty="0" err="1" smtClean="0">
+              <a:t>, </a:t>
+            </a:r>
+            <a:r>
+              <a:rPr lang="en-US" sz="4000" b="0" i="0" u="none" strike="noStrike" cap="none" baseline="0" dirty="0">
                 <a:solidFill>
                   <a:schemeClr val="dk1"/>
                 </a:solidFill>
@@ -13889,62 +13905,7 @@
                 <a:sym typeface="Arial"/>
                 <a:rtl val="0"/>
               </a:rPr>
-              <a:t>Samdarsh</a:t>
-            </a:r>
-            <a:r>
-              <a:rPr lang="en-US" sz="4000" dirty="0" err="1" smtClean="0">
-                <a:solidFill>
-                  <a:schemeClr val="dk1"/>
-                </a:solidFill>
-              </a:rPr>
-              <a:t>i</a:t>
-            </a:r>
-            <a:r>
-              <a:rPr lang="en-US" sz="4000" dirty="0" smtClean="0">
-                <a:solidFill>
-                  <a:schemeClr val="dk1"/>
-                </a:solidFill>
-              </a:rPr>
-              <a:t>*</a:t>
-            </a:r>
-            <a:r>
-              <a:rPr lang="en-US" sz="4000" b="0" i="0" u="none" strike="noStrike" cap="none" baseline="0" dirty="0" smtClean="0">
-                <a:solidFill>
-                  <a:schemeClr val="dk1"/>
-                </a:solidFill>
-                <a:latin typeface="Arial"/>
-                <a:ea typeface="Arial"/>
-                <a:cs typeface="Arial"/>
-                <a:sym typeface="Arial"/>
-                <a:rtl val="0"/>
-              </a:rPr>
-              <a:t>, </a:t>
-            </a:r>
-            <a:r>
-              <a:rPr lang="en-US" sz="4000" b="0" i="0" u="none" strike="noStrike" cap="none" baseline="0" dirty="0" err="1">
-                <a:solidFill>
-                  <a:schemeClr val="dk1"/>
-                </a:solidFill>
-                <a:latin typeface="Arial"/>
-                <a:ea typeface="Arial"/>
-                <a:cs typeface="Arial"/>
-                <a:sym typeface="Arial"/>
-                <a:rtl val="0"/>
-              </a:rPr>
-              <a:t>Kam</a:t>
-            </a:r>
-            <a:r>
-              <a:rPr lang="en-US" sz="4000" b="0" i="0" u="none" strike="noStrike" cap="none" baseline="0" dirty="0">
-                <a:solidFill>
-                  <a:schemeClr val="dk1"/>
-                </a:solidFill>
-                <a:latin typeface="Arial"/>
-                <a:ea typeface="Arial"/>
-                <a:cs typeface="Arial"/>
-                <a:sym typeface="Arial"/>
-                <a:rtl val="0"/>
-              </a:rPr>
-              <a:t> D. </a:t>
+              <a:t>Kam D. </a:t>
             </a:r>
             <a:r>
               <a:rPr lang="en-US" sz="4000" b="0" i="0" u="none" strike="noStrike" cap="none" baseline="0" dirty="0" err="1" smtClean="0">
